--- a/lesson05.pptx
+++ b/lesson05.pptx
@@ -252,7 +252,7 @@
             <a:fld id="{85522811-C5C6-42D2-A409-F8556720C93F}" type="datetimeFigureOut">
               <a:rPr lang="uk-UA" smtClean="0"/>
               <a:pPr/>
-              <a:t>29.10.2020</a:t>
+              <a:t>01.11.2020</a:t>
             </a:fld>
             <a:endParaRPr lang="uk-UA"/>
           </a:p>
@@ -792,7 +792,7 @@
             <a:fld id="{E6FC6B0D-6115-4D7C-8040-9C8E2349BB6E}" type="datetime1">
               <a:rPr lang="uk-UA" smtClean="0"/>
               <a:pPr/>
-              <a:t>29.10.2020</a:t>
+              <a:t>01.11.2020</a:t>
             </a:fld>
             <a:endParaRPr lang="uk-UA"/>
           </a:p>
@@ -959,7 +959,7 @@
             <a:fld id="{996367BA-0A39-4DE2-BFC3-D5290044365E}" type="datetime1">
               <a:rPr lang="uk-UA" smtClean="0"/>
               <a:pPr/>
-              <a:t>29.10.2020</a:t>
+              <a:t>01.11.2020</a:t>
             </a:fld>
             <a:endParaRPr lang="uk-UA"/>
           </a:p>
@@ -1136,7 +1136,7 @@
             <a:fld id="{1BD6A67F-6C29-47DC-AF8A-FDB3C787DF70}" type="datetime1">
               <a:rPr lang="uk-UA" smtClean="0"/>
               <a:pPr/>
-              <a:t>29.10.2020</a:t>
+              <a:t>01.11.2020</a:t>
             </a:fld>
             <a:endParaRPr lang="uk-UA"/>
           </a:p>
@@ -1303,7 +1303,7 @@
             <a:fld id="{1657D9C5-7FF1-434F-B56E-9BAD559744E9}" type="datetime1">
               <a:rPr lang="uk-UA" smtClean="0"/>
               <a:pPr/>
-              <a:t>29.10.2020</a:t>
+              <a:t>01.11.2020</a:t>
             </a:fld>
             <a:endParaRPr lang="uk-UA"/>
           </a:p>
@@ -1546,7 +1546,7 @@
             <a:fld id="{2CEB0FC9-DE63-476B-A1A9-BE934D9049F8}" type="datetime1">
               <a:rPr lang="uk-UA" smtClean="0"/>
               <a:pPr/>
-              <a:t>29.10.2020</a:t>
+              <a:t>01.11.2020</a:t>
             </a:fld>
             <a:endParaRPr lang="uk-UA"/>
           </a:p>
@@ -1831,7 +1831,7 @@
             <a:fld id="{F964460F-86E2-4DF6-9D0F-12F5005CF375}" type="datetime1">
               <a:rPr lang="uk-UA" smtClean="0"/>
               <a:pPr/>
-              <a:t>29.10.2020</a:t>
+              <a:t>01.11.2020</a:t>
             </a:fld>
             <a:endParaRPr lang="uk-UA"/>
           </a:p>
@@ -2250,7 +2250,7 @@
             <a:fld id="{C521715E-DDCD-4267-B0A5-2918B6F6768A}" type="datetime1">
               <a:rPr lang="uk-UA" smtClean="0"/>
               <a:pPr/>
-              <a:t>29.10.2020</a:t>
+              <a:t>01.11.2020</a:t>
             </a:fld>
             <a:endParaRPr lang="uk-UA"/>
           </a:p>
@@ -2365,7 +2365,7 @@
             <a:fld id="{9289842C-EB2D-4EBB-A272-2F6A49D9794D}" type="datetime1">
               <a:rPr lang="uk-UA" smtClean="0"/>
               <a:pPr/>
-              <a:t>29.10.2020</a:t>
+              <a:t>01.11.2020</a:t>
             </a:fld>
             <a:endParaRPr lang="uk-UA"/>
           </a:p>
@@ -2457,7 +2457,7 @@
             <a:fld id="{D036F091-B700-4B52-99AC-85D0FD94D904}" type="datetime1">
               <a:rPr lang="uk-UA" smtClean="0"/>
               <a:pPr/>
-              <a:t>29.10.2020</a:t>
+              <a:t>01.11.2020</a:t>
             </a:fld>
             <a:endParaRPr lang="uk-UA"/>
           </a:p>
@@ -2731,7 +2731,7 @@
             <a:fld id="{B35DFABA-3811-4634-B803-2EAC4CD0063B}" type="datetime1">
               <a:rPr lang="uk-UA" smtClean="0"/>
               <a:pPr/>
-              <a:t>29.10.2020</a:t>
+              <a:t>01.11.2020</a:t>
             </a:fld>
             <a:endParaRPr lang="uk-UA"/>
           </a:p>
@@ -2981,7 +2981,7 @@
             <a:fld id="{8A9EA25E-F88E-463A-A119-D1E55A881002}" type="datetime1">
               <a:rPr lang="uk-UA" smtClean="0"/>
               <a:pPr/>
-              <a:t>29.10.2020</a:t>
+              <a:t>01.11.2020</a:t>
             </a:fld>
             <a:endParaRPr lang="uk-UA"/>
           </a:p>
@@ -3191,7 +3191,7 @@
             <a:fld id="{E708ED03-0080-49A2-B709-7DA4ACB3A1C3}" type="datetime1">
               <a:rPr lang="uk-UA" smtClean="0"/>
               <a:pPr/>
-              <a:t>29.10.2020</a:t>
+              <a:t>01.11.2020</a:t>
             </a:fld>
             <a:endParaRPr lang="uk-UA"/>
           </a:p>
@@ -11463,34 +11463,26 @@
         </p:nvSpPr>
         <p:spPr>
           <a:xfrm>
-            <a:off x="3719736" y="6211669"/>
-            <a:ext cx="5089663" cy="646331"/>
+            <a:off x="0" y="6021288"/>
+            <a:ext cx="12192000" cy="461665"/>
           </a:xfrm>
           <a:prstGeom prst="rect">
             <a:avLst/>
           </a:prstGeom>
         </p:spPr>
         <p:txBody>
-          <a:bodyPr wrap="none">
+          <a:bodyPr wrap="square">
             <a:spAutoFit/>
           </a:bodyPr>
           <a:lstStyle/>
           <a:p>
-            <a:r>
-              <a:rPr lang="ru-RU" dirty="0">
+            <a:pPr algn="ctr"/>
+            <a:r>
+              <a:rPr lang="ru-RU" sz="2400" b="1" dirty="0" smtClean="0">
                 <a:hlinkClick r:id="rId2"/>
               </a:rPr>
-              <a:t>https://habr.com/ru/company/mailru/blog/438286</a:t>
-            </a:r>
-            <a:r>
-              <a:rPr lang="ru-RU" dirty="0" smtClean="0">
-                <a:hlinkClick r:id="rId2"/>
-              </a:rPr>
-              <a:t>/</a:t>
-            </a:r>
-            <a:endParaRPr lang="en-US" dirty="0" smtClean="0"/>
-          </a:p>
-          <a:p>
+              <a:t>https://habr.com/ru/company/mailru/blog/438286/</a:t>
+            </a:r>
             <a:endParaRPr lang="ru-RU" dirty="0"/>
           </a:p>
         </p:txBody>
@@ -11518,7 +11510,7 @@
         </p:blipFill>
         <p:spPr bwMode="auto">
           <a:xfrm>
-            <a:off x="2207568" y="692696"/>
+            <a:off x="2217204" y="1124744"/>
             <a:ext cx="7757592" cy="4745060"/>
           </a:xfrm>
           <a:prstGeom prst="rect">
@@ -11536,6 +11528,40 @@
           </a:extLst>
         </p:spPr>
       </p:pic>
+      <p:sp>
+        <p:nvSpPr>
+          <p:cNvPr id="3" name="Прямоугольник 2"/>
+          <p:cNvSpPr/>
+          <p:nvPr/>
+        </p:nvSpPr>
+        <p:spPr>
+          <a:xfrm>
+            <a:off x="0" y="332656"/>
+            <a:ext cx="12192000" cy="584775"/>
+          </a:xfrm>
+          <a:prstGeom prst="rect">
+            <a:avLst/>
+          </a:prstGeom>
+        </p:spPr>
+        <p:txBody>
+          <a:bodyPr wrap="square">
+            <a:spAutoFit/>
+          </a:bodyPr>
+          <a:lstStyle/>
+          <a:p>
+            <a:pPr algn="ctr"/>
+            <a:r>
+              <a:rPr lang="ru-RU" sz="3200" b="1" dirty="0"/>
+              <a:t>Работа с часовыми поясами в </a:t>
+            </a:r>
+            <a:r>
+              <a:rPr lang="ru-RU" sz="3200" b="1" dirty="0" err="1" smtClean="0"/>
+              <a:t>JavaScript</a:t>
+            </a:r>
+            <a:endParaRPr lang="ru-RU" sz="3200" b="1" dirty="0"/>
+          </a:p>
+        </p:txBody>
+      </p:sp>
     </p:spTree>
     <p:extLst>
       <p:ext uri="{BB962C8B-B14F-4D97-AF65-F5344CB8AC3E}">
@@ -12790,11 +12816,7 @@
             </a:r>
             <a:r>
               <a:rPr lang="ru-RU" sz="3200" b="1" dirty="0" smtClean="0"/>
-              <a:t>1 по </a:t>
-            </a:r>
-            <a:r>
-              <a:rPr lang="ru-RU" sz="3200" b="1" dirty="0" smtClean="0"/>
-              <a:t>1</a:t>
+              <a:t>1 по 1</a:t>
             </a:r>
             <a:r>
               <a:rPr lang="en-US" sz="3200" b="1" dirty="0" smtClean="0"/>
